--- a/二维码.pptx
+++ b/二维码.pptx
@@ -3411,6 +3411,12 @@
           <a:prstGeom prst="roundRect">
             <a:avLst/>
           </a:prstGeom>
+          <a:solidFill>
+            <a:schemeClr val="bg1">
+              <a:lumMod val="50000"/>
+              <a:alpha val="36000"/>
+            </a:schemeClr>
+          </a:solidFill>
         </p:spPr>
         <p:style>
           <a:lnRef idx="2">
@@ -3476,8 +3482,8 @@
           <a:p>
             <a:r>
               <a:rPr lang="zh-CN" altLang="en-US" dirty="0">
-                <a:latin typeface="楷体" panose="02010609060101010101" pitchFamily="49" charset="-122"/>
-                <a:ea typeface="楷体" panose="02010609060101010101" pitchFamily="49" charset="-122"/>
+                <a:latin typeface="即墨体" panose="02010600010101010101" pitchFamily="2" charset="-122"/>
+                <a:ea typeface="即墨体" panose="02010600010101010101" pitchFamily="2" charset="-122"/>
               </a:rPr>
               <a:t>二维码的简介</a:t>
             </a:r>
@@ -3533,13 +3539,13 @@
   <p:clrMapOvr>
     <a:masterClrMapping/>
   </p:clrMapOvr>
-  <mc:AlternateContent xmlns:mc="http://schemas.openxmlformats.org/markup-compatibility/2006">
-    <mc:Choice xmlns:p14="http://schemas.microsoft.com/office/powerpoint/2010/main" Requires="p14">
+  <mc:AlternateContent xmlns:mc="http://schemas.openxmlformats.org/markup-compatibility/2006" xmlns:p14="http://schemas.microsoft.com/office/powerpoint/2010/main">
+    <mc:Choice Requires="p14">
       <p:transition spd="slow" p14:dur="4400">
         <p14:honeycomb/>
       </p:transition>
     </mc:Choice>
-    <mc:Fallback>
+    <mc:Fallback xmlns="">
       <p:transition spd="slow">
         <p:fade/>
       </p:transition>
@@ -6846,13 +6852,13 @@
   <p:clrMapOvr>
     <a:masterClrMapping/>
   </p:clrMapOvr>
-  <mc:AlternateContent xmlns:mc="http://schemas.openxmlformats.org/markup-compatibility/2006">
-    <mc:Choice xmlns:p15="http://schemas.microsoft.com/office/powerpoint/2012/main" Requires="p15">
+  <mc:AlternateContent xmlns:mc="http://schemas.openxmlformats.org/markup-compatibility/2006" xmlns:p15="http://schemas.microsoft.com/office/powerpoint/2012/main">
+    <mc:Choice Requires="p15">
       <p:transition xmlns:p14="http://schemas.microsoft.com/office/powerpoint/2010/main" spd="slow" p14:dur="2000">
         <p15:prstTrans prst="wind"/>
       </p:transition>
     </mc:Choice>
-    <mc:Fallback>
+    <mc:Fallback xmlns="">
       <p:transition spd="slow">
         <p:fade/>
       </p:transition>
@@ -7740,13 +7746,13 @@
   <p:clrMapOvr>
     <a:overrideClrMapping bg1="dk1" tx1="lt1" bg2="dk2" tx2="lt2" accent1="accent1" accent2="accent2" accent3="accent3" accent4="accent4" accent5="accent5" accent6="accent6" hlink="hlink" folHlink="folHlink"/>
   </p:clrMapOvr>
-  <mc:AlternateContent xmlns:mc="http://schemas.openxmlformats.org/markup-compatibility/2006">
-    <mc:Choice xmlns:p14="http://schemas.microsoft.com/office/powerpoint/2010/main" Requires="p14">
+  <mc:AlternateContent xmlns:mc="http://schemas.openxmlformats.org/markup-compatibility/2006" xmlns:p14="http://schemas.microsoft.com/office/powerpoint/2010/main">
+    <mc:Choice Requires="p14">
       <p:transition spd="slow" p14:dur="3900">
         <p14:glitter pattern="hexagon"/>
       </p:transition>
     </mc:Choice>
-    <mc:Fallback>
+    <mc:Fallback xmlns="">
       <p:transition spd="slow">
         <p:fade/>
       </p:transition>
